--- a/Documentation/Diagrams.pptx
+++ b/Documentation/Diagrams.pptx
@@ -8,6 +8,7 @@
     <p:sldId id="257" r:id="rId2"/>
     <p:sldId id="258" r:id="rId3"/>
     <p:sldId id="259" r:id="rId4"/>
+    <p:sldId id="260" r:id="rId5"/>
   </p:sldIdLst>
   <p:sldSz cx="12192000" cy="6858000"/>
   <p:notesSz cx="6858000" cy="9144000"/>
@@ -106,6 +107,11 @@
       </a:defRPr>
     </a:lvl9pPr>
   </p:defaultTextStyle>
+  <p:extLst>
+    <p:ext uri="{EFAFB233-063F-42B5-8137-9DF3F51BA10A}">
+      <p15:sldGuideLst xmlns:p15="http://schemas.microsoft.com/office/powerpoint/2012/main"/>
+    </p:ext>
+  </p:extLst>
 </p:presentation>
 </file>
 
@@ -256,7 +262,7 @@
           <a:p>
             <a:fld id="{09E4C40E-0E0E-47BE-959F-CB519262CA8C}" type="datetimeFigureOut">
               <a:rPr lang="pl-PL" smtClean="0"/>
-              <a:t>16.12.2025</a:t>
+              <a:t>17.12.2025</a:t>
             </a:fld>
             <a:endParaRPr lang="pl-PL"/>
           </a:p>
@@ -454,7 +460,7 @@
           <a:p>
             <a:fld id="{09E4C40E-0E0E-47BE-959F-CB519262CA8C}" type="datetimeFigureOut">
               <a:rPr lang="pl-PL" smtClean="0"/>
-              <a:t>16.12.2025</a:t>
+              <a:t>17.12.2025</a:t>
             </a:fld>
             <a:endParaRPr lang="pl-PL"/>
           </a:p>
@@ -662,7 +668,7 @@
           <a:p>
             <a:fld id="{09E4C40E-0E0E-47BE-959F-CB519262CA8C}" type="datetimeFigureOut">
               <a:rPr lang="pl-PL" smtClean="0"/>
-              <a:t>16.12.2025</a:t>
+              <a:t>17.12.2025</a:t>
             </a:fld>
             <a:endParaRPr lang="pl-PL"/>
           </a:p>
@@ -860,7 +866,7 @@
           <a:p>
             <a:fld id="{09E4C40E-0E0E-47BE-959F-CB519262CA8C}" type="datetimeFigureOut">
               <a:rPr lang="pl-PL" smtClean="0"/>
-              <a:t>16.12.2025</a:t>
+              <a:t>17.12.2025</a:t>
             </a:fld>
             <a:endParaRPr lang="pl-PL"/>
           </a:p>
@@ -1135,7 +1141,7 @@
           <a:p>
             <a:fld id="{09E4C40E-0E0E-47BE-959F-CB519262CA8C}" type="datetimeFigureOut">
               <a:rPr lang="pl-PL" smtClean="0"/>
-              <a:t>16.12.2025</a:t>
+              <a:t>17.12.2025</a:t>
             </a:fld>
             <a:endParaRPr lang="pl-PL"/>
           </a:p>
@@ -1400,7 +1406,7 @@
           <a:p>
             <a:fld id="{09E4C40E-0E0E-47BE-959F-CB519262CA8C}" type="datetimeFigureOut">
               <a:rPr lang="pl-PL" smtClean="0"/>
-              <a:t>16.12.2025</a:t>
+              <a:t>17.12.2025</a:t>
             </a:fld>
             <a:endParaRPr lang="pl-PL"/>
           </a:p>
@@ -1812,7 +1818,7 @@
           <a:p>
             <a:fld id="{09E4C40E-0E0E-47BE-959F-CB519262CA8C}" type="datetimeFigureOut">
               <a:rPr lang="pl-PL" smtClean="0"/>
-              <a:t>16.12.2025</a:t>
+              <a:t>17.12.2025</a:t>
             </a:fld>
             <a:endParaRPr lang="pl-PL"/>
           </a:p>
@@ -1953,7 +1959,7 @@
           <a:p>
             <a:fld id="{09E4C40E-0E0E-47BE-959F-CB519262CA8C}" type="datetimeFigureOut">
               <a:rPr lang="pl-PL" smtClean="0"/>
-              <a:t>16.12.2025</a:t>
+              <a:t>17.12.2025</a:t>
             </a:fld>
             <a:endParaRPr lang="pl-PL"/>
           </a:p>
@@ -2066,7 +2072,7 @@
           <a:p>
             <a:fld id="{09E4C40E-0E0E-47BE-959F-CB519262CA8C}" type="datetimeFigureOut">
               <a:rPr lang="pl-PL" smtClean="0"/>
-              <a:t>16.12.2025</a:t>
+              <a:t>17.12.2025</a:t>
             </a:fld>
             <a:endParaRPr lang="pl-PL"/>
           </a:p>
@@ -2377,7 +2383,7 @@
           <a:p>
             <a:fld id="{09E4C40E-0E0E-47BE-959F-CB519262CA8C}" type="datetimeFigureOut">
               <a:rPr lang="pl-PL" smtClean="0"/>
-              <a:t>16.12.2025</a:t>
+              <a:t>17.12.2025</a:t>
             </a:fld>
             <a:endParaRPr lang="pl-PL"/>
           </a:p>
@@ -2665,7 +2671,7 @@
           <a:p>
             <a:fld id="{09E4C40E-0E0E-47BE-959F-CB519262CA8C}" type="datetimeFigureOut">
               <a:rPr lang="pl-PL" smtClean="0"/>
-              <a:t>16.12.2025</a:t>
+              <a:t>17.12.2025</a:t>
             </a:fld>
             <a:endParaRPr lang="pl-PL"/>
           </a:p>
@@ -2906,7 +2912,7 @@
           <a:p>
             <a:fld id="{09E4C40E-0E0E-47BE-959F-CB519262CA8C}" type="datetimeFigureOut">
               <a:rPr lang="pl-PL" smtClean="0"/>
-              <a:t>16.12.2025</a:t>
+              <a:t>17.12.2025</a:t>
             </a:fld>
             <a:endParaRPr lang="pl-PL"/>
           </a:p>
@@ -4298,37 +4304,134 @@
           </a:p>
         </p:txBody>
       </p:sp>
-      <p:sp>
-        <p:nvSpPr>
-          <p:cNvPr id="3" name="Symbol zastępczy zawartości 2">
-            <a:extLst>
-              <a:ext uri="{FF2B5EF4-FFF2-40B4-BE49-F238E27FC236}">
-                <a16:creationId xmlns:a16="http://schemas.microsoft.com/office/drawing/2014/main" id="{B5CC6CBD-9D57-04DE-6FD2-43D7ED1AC6E5}"/>
-              </a:ext>
-            </a:extLst>
-          </p:cNvPr>
-          <p:cNvSpPr>
-            <a:spLocks noGrp="1"/>
-          </p:cNvSpPr>
+      <p:pic>
+        <p:nvPicPr>
+          <p:cNvPr id="10" name="Symbol zastępczy zawartości 9" descr="Obraz zawierający rysowanie, szkic, zabawka, kreskówka&#10;&#10;Zawartość wygenerowana przez AI może być niepoprawna.">
+            <a:extLst>
+              <a:ext uri="{FF2B5EF4-FFF2-40B4-BE49-F238E27FC236}">
+                <a16:creationId xmlns:a16="http://schemas.microsoft.com/office/drawing/2014/main" id="{ED0121EE-6FE6-1ABB-055F-2FB0E4AE932B}"/>
+              </a:ext>
+            </a:extLst>
+          </p:cNvPr>
+          <p:cNvPicPr>
+            <a:picLocks noGrp="1" noChangeAspect="1"/>
+          </p:cNvPicPr>
           <p:nvPr>
             <p:ph idx="1"/>
           </p:nvPr>
-        </p:nvSpPr>
-        <p:spPr/>
-        <p:txBody>
-          <a:bodyPr/>
-          <a:lstStyle/>
-          <a:p>
-            <a:endParaRPr lang="pl-PL"/>
-          </a:p>
-        </p:txBody>
-      </p:sp>
+        </p:nvPicPr>
+        <p:blipFill>
+          <a:blip r:embed="rId2"/>
+          <a:stretch>
+            <a:fillRect/>
+          </a:stretch>
+        </p:blipFill>
+        <p:spPr>
+          <a:xfrm>
+            <a:off x="3818187" y="1825625"/>
+            <a:ext cx="4555625" cy="4351338"/>
+          </a:xfrm>
+          <a:prstGeom prst="rect">
+            <a:avLst/>
+          </a:prstGeom>
+        </p:spPr>
+      </p:pic>
       <p:pic>
         <p:nvPicPr>
           <p:cNvPr id="5" name="Obraz 4" descr="Obraz zawierający zabawka, rysowanie, kreskówka&#10;&#10;Zawartość wygenerowana przez AI może być niepoprawna.">
             <a:extLst>
               <a:ext uri="{FF2B5EF4-FFF2-40B4-BE49-F238E27FC236}">
                 <a16:creationId xmlns:a16="http://schemas.microsoft.com/office/drawing/2014/main" id="{AD688AD0-70AF-E939-3BB8-BB4B08EC29CC}"/>
+              </a:ext>
+            </a:extLst>
+          </p:cNvPr>
+          <p:cNvPicPr>
+            <a:picLocks noChangeAspect="1"/>
+          </p:cNvPicPr>
+          <p:nvPr/>
+        </p:nvPicPr>
+        <p:blipFill>
+          <a:blip r:embed="rId3"/>
+          <a:stretch>
+            <a:fillRect/>
+          </a:stretch>
+        </p:blipFill>
+        <p:spPr>
+          <a:xfrm>
+            <a:off x="559450" y="1323975"/>
+            <a:ext cx="5052457" cy="4952999"/>
+          </a:xfrm>
+          <a:prstGeom prst="rect">
+            <a:avLst/>
+          </a:prstGeom>
+        </p:spPr>
+      </p:pic>
+      <p:pic>
+        <p:nvPicPr>
+          <p:cNvPr id="6" name="Obraz 5" descr="Obraz zawierający zabawka, rysowanie, kreskówka, szkic&#10;&#10;Zawartość wygenerowana przez AI może być niepoprawna.">
+            <a:extLst>
+              <a:ext uri="{FF2B5EF4-FFF2-40B4-BE49-F238E27FC236}">
+                <a16:creationId xmlns:a16="http://schemas.microsoft.com/office/drawing/2014/main" id="{F9C2EE2B-E569-34D2-CD64-21B79BFA6D91}"/>
+              </a:ext>
+            </a:extLst>
+          </p:cNvPr>
+          <p:cNvPicPr>
+            <a:picLocks noChangeAspect="1"/>
+          </p:cNvPicPr>
+          <p:nvPr/>
+        </p:nvPicPr>
+        <p:blipFill>
+          <a:blip r:embed="rId4"/>
+          <a:stretch>
+            <a:fillRect/>
+          </a:stretch>
+        </p:blipFill>
+        <p:spPr>
+          <a:xfrm>
+            <a:off x="4531101" y="242786"/>
+            <a:ext cx="5195949" cy="3886201"/>
+          </a:xfrm>
+          <a:prstGeom prst="rect">
+            <a:avLst/>
+          </a:prstGeom>
+        </p:spPr>
+      </p:pic>
+      <p:pic>
+        <p:nvPicPr>
+          <p:cNvPr id="8" name="Obraz 7" descr="Obraz zawierający rysowanie, zabawka, szkic, kreskówka&#10;&#10;Zawartość wygenerowana przez AI może być niepoprawna.">
+            <a:extLst>
+              <a:ext uri="{FF2B5EF4-FFF2-40B4-BE49-F238E27FC236}">
+                <a16:creationId xmlns:a16="http://schemas.microsoft.com/office/drawing/2014/main" id="{56FD1663-618A-7BEE-2F61-7BB29D3ED1D9}"/>
+              </a:ext>
+            </a:extLst>
+          </p:cNvPr>
+          <p:cNvPicPr>
+            <a:picLocks noChangeAspect="1"/>
+          </p:cNvPicPr>
+          <p:nvPr/>
+        </p:nvPicPr>
+        <p:blipFill>
+          <a:blip r:embed="rId5"/>
+          <a:stretch>
+            <a:fillRect/>
+          </a:stretch>
+        </p:blipFill>
+        <p:spPr>
+          <a:xfrm>
+            <a:off x="5425431" y="3539702"/>
+            <a:ext cx="3134857" cy="2637261"/>
+          </a:xfrm>
+          <a:prstGeom prst="rect">
+            <a:avLst/>
+          </a:prstGeom>
+        </p:spPr>
+      </p:pic>
+      <p:pic>
+        <p:nvPicPr>
+          <p:cNvPr id="12" name="Obraz 11" descr="Obraz zawierający rysowanie, szkic, zabawka, kreskówka&#10;&#10;Zawartość wygenerowana przez AI może być niepoprawna.">
+            <a:extLst>
+              <a:ext uri="{FF2B5EF4-FFF2-40B4-BE49-F238E27FC236}">
+                <a16:creationId xmlns:a16="http://schemas.microsoft.com/office/drawing/2014/main" id="{282666E8-F120-1CF6-4371-DBDEBA1F8B5B}"/>
               </a:ext>
             </a:extLst>
           </p:cNvPr>
@@ -4345,8 +4448,38 @@
         </p:blipFill>
         <p:spPr>
           <a:xfrm>
-            <a:off x="2036169" y="0"/>
-            <a:ext cx="6995711" cy="6858000"/>
+            <a:off x="7987331" y="2789135"/>
+            <a:ext cx="4005707" cy="3826079"/>
+          </a:xfrm>
+          <a:prstGeom prst="rect">
+            <a:avLst/>
+          </a:prstGeom>
+        </p:spPr>
+      </p:pic>
+      <p:pic>
+        <p:nvPicPr>
+          <p:cNvPr id="14" name="Obraz 13">
+            <a:extLst>
+              <a:ext uri="{FF2B5EF4-FFF2-40B4-BE49-F238E27FC236}">
+                <a16:creationId xmlns:a16="http://schemas.microsoft.com/office/drawing/2014/main" id="{1EE6F8FE-7F7F-7233-51F4-CE8B6B80BA58}"/>
+              </a:ext>
+            </a:extLst>
+          </p:cNvPr>
+          <p:cNvPicPr>
+            <a:picLocks noChangeAspect="1"/>
+          </p:cNvPicPr>
+          <p:nvPr/>
+        </p:nvPicPr>
+        <p:blipFill>
+          <a:blip r:embed="rId6"/>
+          <a:stretch>
+            <a:fillRect/>
+          </a:stretch>
+        </p:blipFill>
+        <p:spPr>
+          <a:xfrm>
+            <a:off x="3533755" y="1624804"/>
+            <a:ext cx="5582131" cy="4351339"/>
           </a:xfrm>
           <a:prstGeom prst="rect">
             <a:avLst/>
@@ -4357,6 +4490,183 @@
     <p:extLst>
       <p:ext uri="{BB962C8B-B14F-4D97-AF65-F5344CB8AC3E}">
         <p14:creationId xmlns:p14="http://schemas.microsoft.com/office/powerpoint/2010/main" val="3386378054"/>
+      </p:ext>
+    </p:extLst>
+  </p:cSld>
+  <p:clrMapOvr>
+    <a:masterClrMapping/>
+  </p:clrMapOvr>
+</p:sld>
+</file>
+
+<file path=ppt/slides/slide4.xml><?xml version="1.0" encoding="utf-8"?>
+<p:sld xmlns:a="http://schemas.openxmlformats.org/drawingml/2006/main" xmlns:r="http://schemas.openxmlformats.org/officeDocument/2006/relationships" xmlns:p="http://schemas.openxmlformats.org/presentationml/2006/main">
+  <p:cSld>
+    <p:spTree>
+      <p:nvGrpSpPr>
+        <p:cNvPr id="1" name=""/>
+        <p:cNvGrpSpPr/>
+        <p:nvPr/>
+      </p:nvGrpSpPr>
+      <p:grpSpPr>
+        <a:xfrm>
+          <a:off x="0" y="0"/>
+          <a:ext cx="0" cy="0"/>
+          <a:chOff x="0" y="0"/>
+          <a:chExt cx="0" cy="0"/>
+        </a:xfrm>
+      </p:grpSpPr>
+      <p:sp>
+        <p:nvSpPr>
+          <p:cNvPr id="2" name="Tytuł 1">
+            <a:extLst>
+              <a:ext uri="{FF2B5EF4-FFF2-40B4-BE49-F238E27FC236}">
+                <a16:creationId xmlns:a16="http://schemas.microsoft.com/office/drawing/2014/main" id="{88335D9D-7DFD-381C-A558-35651D9C9FB7}"/>
+              </a:ext>
+            </a:extLst>
+          </p:cNvPr>
+          <p:cNvSpPr>
+            <a:spLocks noGrp="1"/>
+          </p:cNvSpPr>
+          <p:nvPr>
+            <p:ph type="title"/>
+          </p:nvPr>
+        </p:nvSpPr>
+        <p:spPr/>
+        <p:txBody>
+          <a:bodyPr/>
+          <a:lstStyle/>
+          <a:p>
+            <a:endParaRPr lang="pl-PL"/>
+          </a:p>
+        </p:txBody>
+      </p:sp>
+      <p:pic>
+        <p:nvPicPr>
+          <p:cNvPr id="5" name="Symbol zastępczy zawartości 4" descr="Obraz zawierający szkic, rysowanie, diagram, sztuka&#10;&#10;Zawartość wygenerowana przez AI może być niepoprawna.">
+            <a:extLst>
+              <a:ext uri="{FF2B5EF4-FFF2-40B4-BE49-F238E27FC236}">
+                <a16:creationId xmlns:a16="http://schemas.microsoft.com/office/drawing/2014/main" id="{712C3656-09F5-F910-E0B4-64BB6A1E61D2}"/>
+              </a:ext>
+            </a:extLst>
+          </p:cNvPr>
+          <p:cNvPicPr>
+            <a:picLocks noGrp="1" noChangeAspect="1"/>
+          </p:cNvPicPr>
+          <p:nvPr>
+            <p:ph idx="1"/>
+          </p:nvPr>
+        </p:nvPicPr>
+        <p:blipFill>
+          <a:blip r:embed="rId2"/>
+          <a:stretch>
+            <a:fillRect/>
+          </a:stretch>
+        </p:blipFill>
+        <p:spPr>
+          <a:xfrm>
+            <a:off x="625151" y="1073118"/>
+            <a:ext cx="2844686" cy="4351338"/>
+          </a:xfrm>
+          <a:prstGeom prst="rect">
+            <a:avLst/>
+          </a:prstGeom>
+        </p:spPr>
+      </p:pic>
+      <p:pic>
+        <p:nvPicPr>
+          <p:cNvPr id="7" name="Obraz 6" descr="Obraz zawierający szkic, rysowanie, sztuka, Sztuka dziecięca&#10;&#10;Zawartość wygenerowana przez AI może być niepoprawna.">
+            <a:extLst>
+              <a:ext uri="{FF2B5EF4-FFF2-40B4-BE49-F238E27FC236}">
+                <a16:creationId xmlns:a16="http://schemas.microsoft.com/office/drawing/2014/main" id="{6FB91F14-4FBA-A360-83F4-B9E217C7443E}"/>
+              </a:ext>
+            </a:extLst>
+          </p:cNvPr>
+          <p:cNvPicPr>
+            <a:picLocks noChangeAspect="1"/>
+          </p:cNvPicPr>
+          <p:nvPr/>
+        </p:nvPicPr>
+        <p:blipFill>
+          <a:blip r:embed="rId3"/>
+          <a:stretch>
+            <a:fillRect/>
+          </a:stretch>
+        </p:blipFill>
+        <p:spPr>
+          <a:xfrm>
+            <a:off x="2659959" y="796099"/>
+            <a:ext cx="3736408" cy="4724400"/>
+          </a:xfrm>
+          <a:prstGeom prst="rect">
+            <a:avLst/>
+          </a:prstGeom>
+        </p:spPr>
+      </p:pic>
+      <p:pic>
+        <p:nvPicPr>
+          <p:cNvPr id="9" name="Obraz 8" descr="Obraz zawierający szkic, rysowanie, sztuka, ilustracja&#10;&#10;Zawartość wygenerowana przez AI może być niepoprawna.">
+            <a:extLst>
+              <a:ext uri="{FF2B5EF4-FFF2-40B4-BE49-F238E27FC236}">
+                <a16:creationId xmlns:a16="http://schemas.microsoft.com/office/drawing/2014/main" id="{3B4DB0E8-0608-A92C-14EC-DBD6CCAA7E29}"/>
+              </a:ext>
+            </a:extLst>
+          </p:cNvPr>
+          <p:cNvPicPr>
+            <a:picLocks noChangeAspect="1"/>
+          </p:cNvPicPr>
+          <p:nvPr/>
+        </p:nvPicPr>
+        <p:blipFill>
+          <a:blip r:embed="rId4"/>
+          <a:stretch>
+            <a:fillRect/>
+          </a:stretch>
+        </p:blipFill>
+        <p:spPr>
+          <a:xfrm>
+            <a:off x="6096000" y="796099"/>
+            <a:ext cx="3224072" cy="4905375"/>
+          </a:xfrm>
+          <a:prstGeom prst="rect">
+            <a:avLst/>
+          </a:prstGeom>
+        </p:spPr>
+      </p:pic>
+      <p:pic>
+        <p:nvPicPr>
+          <p:cNvPr id="11" name="Obraz 10" descr="Obraz zawierający rysowanie, szkic, clipart, Sztuka dziecięca&#10;&#10;Zawartość wygenerowana przez AI może być niepoprawna.">
+            <a:extLst>
+              <a:ext uri="{FF2B5EF4-FFF2-40B4-BE49-F238E27FC236}">
+                <a16:creationId xmlns:a16="http://schemas.microsoft.com/office/drawing/2014/main" id="{C9E95590-3155-B517-1C2F-D7043EF15F02}"/>
+              </a:ext>
+            </a:extLst>
+          </p:cNvPr>
+          <p:cNvPicPr>
+            <a:picLocks noChangeAspect="1"/>
+          </p:cNvPicPr>
+          <p:nvPr/>
+        </p:nvPicPr>
+        <p:blipFill>
+          <a:blip r:embed="rId5"/>
+          <a:stretch>
+            <a:fillRect/>
+          </a:stretch>
+        </p:blipFill>
+        <p:spPr>
+          <a:xfrm>
+            <a:off x="8620323" y="1622028"/>
+            <a:ext cx="3100241" cy="3613943"/>
+          </a:xfrm>
+          <a:prstGeom prst="rect">
+            <a:avLst/>
+          </a:prstGeom>
+        </p:spPr>
+      </p:pic>
+    </p:spTree>
+    <p:extLst>
+      <p:ext uri="{BB962C8B-B14F-4D97-AF65-F5344CB8AC3E}">
+        <p14:creationId xmlns:p14="http://schemas.microsoft.com/office/powerpoint/2010/main" val="3451738640"/>
       </p:ext>
     </p:extLst>
   </p:cSld>
